--- a/Documentation/SETU Code Lab Presentation.pptx
+++ b/Documentation/SETU Code Lab Presentation.pptx
@@ -5,7 +5,7 @@
     <p:sldMasterId id="2147483648" r:id="rId1"/>
   </p:sldMasterIdLst>
   <p:notesMasterIdLst>
-    <p:notesMasterId r:id="rId10"/>
+    <p:notesMasterId r:id="rId11"/>
   </p:notesMasterIdLst>
   <p:sldIdLst>
     <p:sldId id="256" r:id="rId2"/>
@@ -14,8 +14,9 @@
     <p:sldId id="258" r:id="rId5"/>
     <p:sldId id="259" r:id="rId6"/>
     <p:sldId id="260" r:id="rId7"/>
-    <p:sldId id="261" r:id="rId8"/>
-    <p:sldId id="262" r:id="rId9"/>
+    <p:sldId id="264" r:id="rId8"/>
+    <p:sldId id="261" r:id="rId9"/>
+    <p:sldId id="262" r:id="rId10"/>
   </p:sldIdLst>
   <p:sldSz cx="12192000" cy="6858000"/>
   <p:notesSz cx="6858000" cy="9144000"/>
@@ -114,6 +115,11 @@
       </a:defRPr>
     </a:lvl9pPr>
   </p:defaultTextStyle>
+  <p:extLst>
+    <p:ext uri="{EFAFB233-063F-42B5-8137-9DF3F51BA10A}">
+      <p15:sldGuideLst xmlns:p15="http://schemas.microsoft.com/office/powerpoint/2012/main"/>
+    </p:ext>
+  </p:extLst>
 </p:presentation>
 </file>
 
@@ -199,7 +205,7 @@
           <a:p>
             <a:fld id="{BEF03969-39F4-4B35-94E5-A75F109BD6B2}" type="datetimeFigureOut">
               <a:rPr lang="en-IE" smtClean="0"/>
-              <a:t>19/10/2025</a:t>
+              <a:t>21/10/2025</a:t>
             </a:fld>
             <a:endParaRPr lang="en-IE"/>
           </a:p>
@@ -616,7 +622,7 @@
           <a:p>
             <a:fld id="{68234B79-F2F3-4AD0-83EE-0F453CC3D331}" type="datetime1">
               <a:rPr lang="en-IE" smtClean="0"/>
-              <a:t>19/10/2025</a:t>
+              <a:t>21/10/2025</a:t>
             </a:fld>
             <a:endParaRPr lang="en-IE"/>
           </a:p>
@@ -816,7 +822,7 @@
           <a:p>
             <a:fld id="{E0ED1C32-D00C-4F42-A230-5442116A332F}" type="datetime1">
               <a:rPr lang="en-IE" smtClean="0"/>
-              <a:t>19/10/2025</a:t>
+              <a:t>21/10/2025</a:t>
             </a:fld>
             <a:endParaRPr lang="en-IE"/>
           </a:p>
@@ -1026,7 +1032,7 @@
           <a:p>
             <a:fld id="{39E2CC46-C2F9-41CB-8053-12D5BCAF114C}" type="datetime1">
               <a:rPr lang="en-IE" smtClean="0"/>
-              <a:t>19/10/2025</a:t>
+              <a:t>21/10/2025</a:t>
             </a:fld>
             <a:endParaRPr lang="en-IE"/>
           </a:p>
@@ -1226,7 +1232,7 @@
           <a:p>
             <a:fld id="{B04400C9-9B86-413A-A6EE-635DFBB14FF9}" type="datetime1">
               <a:rPr lang="en-IE" smtClean="0"/>
-              <a:t>19/10/2025</a:t>
+              <a:t>21/10/2025</a:t>
             </a:fld>
             <a:endParaRPr lang="en-IE"/>
           </a:p>
@@ -1502,7 +1508,7 @@
           <a:p>
             <a:fld id="{18001740-2EE0-49B6-A7CD-B251CCCF12CE}" type="datetime1">
               <a:rPr lang="en-IE" smtClean="0"/>
-              <a:t>19/10/2025</a:t>
+              <a:t>21/10/2025</a:t>
             </a:fld>
             <a:endParaRPr lang="en-IE"/>
           </a:p>
@@ -1770,7 +1776,7 @@
           <a:p>
             <a:fld id="{63EAA57C-9B4A-410C-9140-389653E883F6}" type="datetime1">
               <a:rPr lang="en-IE" smtClean="0"/>
-              <a:t>19/10/2025</a:t>
+              <a:t>21/10/2025</a:t>
             </a:fld>
             <a:endParaRPr lang="en-IE"/>
           </a:p>
@@ -2185,7 +2191,7 @@
           <a:p>
             <a:fld id="{DCED592E-5CDB-4BE5-A2F2-F7AAFF370325}" type="datetime1">
               <a:rPr lang="en-IE" smtClean="0"/>
-              <a:t>19/10/2025</a:t>
+              <a:t>21/10/2025</a:t>
             </a:fld>
             <a:endParaRPr lang="en-IE"/>
           </a:p>
@@ -2327,7 +2333,7 @@
           <a:p>
             <a:fld id="{C5E1F0DF-B6CD-4341-B54E-45A94C3B16CB}" type="datetime1">
               <a:rPr lang="en-IE" smtClean="0"/>
-              <a:t>19/10/2025</a:t>
+              <a:t>21/10/2025</a:t>
             </a:fld>
             <a:endParaRPr lang="en-IE"/>
           </a:p>
@@ -2440,7 +2446,7 @@
           <a:p>
             <a:fld id="{A812DDFE-2397-47C7-8FD4-7E02BDCD5EA7}" type="datetime1">
               <a:rPr lang="en-IE" smtClean="0"/>
-              <a:t>19/10/2025</a:t>
+              <a:t>21/10/2025</a:t>
             </a:fld>
             <a:endParaRPr lang="en-IE"/>
           </a:p>
@@ -2753,7 +2759,7 @@
           <a:p>
             <a:fld id="{70382408-59FA-45D1-AE6D-754D4B7B48D5}" type="datetime1">
               <a:rPr lang="en-IE" smtClean="0"/>
-              <a:t>19/10/2025</a:t>
+              <a:t>21/10/2025</a:t>
             </a:fld>
             <a:endParaRPr lang="en-IE"/>
           </a:p>
@@ -3042,7 +3048,7 @@
           <a:p>
             <a:fld id="{17494B6C-BEBA-4171-89DF-83CA7ECA3759}" type="datetime1">
               <a:rPr lang="en-IE" smtClean="0"/>
-              <a:t>19/10/2025</a:t>
+              <a:t>21/10/2025</a:t>
             </a:fld>
             <a:endParaRPr lang="en-IE"/>
           </a:p>
@@ -3285,7 +3291,7 @@
           <a:p>
             <a:fld id="{2EB6C2E1-64BA-4068-B4C6-9CB6F9A2181A}" type="datetime1">
               <a:rPr lang="en-IE" smtClean="0"/>
-              <a:t>19/10/2025</a:t>
+              <a:t>21/10/2025</a:t>
             </a:fld>
             <a:endParaRPr lang="en-IE"/>
           </a:p>
@@ -6624,6 +6630,42 @@
           </a:p>
         </p:txBody>
       </p:sp>
+      <p:pic>
+        <p:nvPicPr>
+          <p:cNvPr id="8" name="Graphic 7">
+            <a:extLst>
+              <a:ext uri="{FF2B5EF4-FFF2-40B4-BE49-F238E27FC236}">
+                <a16:creationId xmlns:a16="http://schemas.microsoft.com/office/drawing/2014/main" id="{9ACA54C7-ECBA-A823-AC6A-268932FD2B90}"/>
+              </a:ext>
+            </a:extLst>
+          </p:cNvPr>
+          <p:cNvPicPr>
+            <a:picLocks noChangeAspect="1"/>
+          </p:cNvPicPr>
+          <p:nvPr/>
+        </p:nvPicPr>
+        <p:blipFill>
+          <a:blip r:embed="rId3">
+            <a:extLst>
+              <a:ext uri="{96DAC541-7B7A-43D3-8B79-37D633B846F1}">
+                <asvg:svgBlip xmlns:asvg="http://schemas.microsoft.com/office/drawing/2016/SVG/main" r:embed="rId4"/>
+              </a:ext>
+            </a:extLst>
+          </a:blip>
+          <a:stretch>
+            <a:fillRect/>
+          </a:stretch>
+        </p:blipFill>
+        <p:spPr>
+          <a:xfrm>
+            <a:off x="632184" y="4321683"/>
+            <a:ext cx="2682561" cy="2118371"/>
+          </a:xfrm>
+          <a:prstGeom prst="rect">
+            <a:avLst/>
+          </a:prstGeom>
+        </p:spPr>
+      </p:pic>
     </p:spTree>
     <p:extLst>
       <p:ext uri="{BB962C8B-B14F-4D97-AF65-F5344CB8AC3E}">
@@ -6943,6 +6985,1150 @@
 </file>
 
 <file path=ppt/slides/slide7.xml><?xml version="1.0" encoding="utf-8"?>
+<p:sld xmlns:a="http://schemas.openxmlformats.org/drawingml/2006/main" xmlns:r="http://schemas.openxmlformats.org/officeDocument/2006/relationships" xmlns:p="http://schemas.openxmlformats.org/presentationml/2006/main">
+  <p:cSld>
+    <p:bg>
+      <p:bgPr>
+        <a:solidFill>
+          <a:schemeClr val="bg1"/>
+        </a:solidFill>
+        <a:effectLst/>
+      </p:bgPr>
+    </p:bg>
+    <p:spTree>
+      <p:nvGrpSpPr>
+        <p:cNvPr id="1" name="">
+          <a:extLst>
+            <a:ext uri="{FF2B5EF4-FFF2-40B4-BE49-F238E27FC236}">
+              <a16:creationId xmlns:a16="http://schemas.microsoft.com/office/drawing/2014/main" id="{CBA2BC0A-8EB5-93BD-A339-E5106D214052}"/>
+            </a:ext>
+          </a:extLst>
+        </p:cNvPr>
+        <p:cNvGrpSpPr/>
+        <p:nvPr/>
+      </p:nvGrpSpPr>
+      <p:grpSpPr>
+        <a:xfrm>
+          <a:off x="0" y="0"/>
+          <a:ext cx="0" cy="0"/>
+          <a:chOff x="0" y="0"/>
+          <a:chExt cx="0" cy="0"/>
+        </a:xfrm>
+      </p:grpSpPr>
+      <p:sp useBgFill="1">
+        <p:nvSpPr>
+          <p:cNvPr id="26" name="Rectangle 25">
+            <a:extLst>
+              <a:ext uri="{FF2B5EF4-FFF2-40B4-BE49-F238E27FC236}">
+                <a16:creationId xmlns:a16="http://schemas.microsoft.com/office/drawing/2014/main" id="{0288C6B4-AFC3-407F-A595-EFFD38D4CCAF}"/>
+              </a:ext>
+              <a:ext uri="{C183D7F6-B498-43B3-948B-1728B52AA6E4}">
+                <adec:decorative xmlns:adec="http://schemas.microsoft.com/office/drawing/2017/decorative" val="1"/>
+              </a:ext>
+            </a:extLst>
+          </p:cNvPr>
+          <p:cNvSpPr>
+            <a:spLocks noGrp="1" noRot="1" noChangeAspect="1" noMove="1" noResize="1" noEditPoints="1" noAdjustHandles="1" noChangeArrowheads="1" noChangeShapeType="1" noTextEdit="1"/>
+          </p:cNvSpPr>
+          <p:nvPr>
+            <p:extLst>
+              <p:ext uri="{386F3935-93C4-4BCD-93E2-E3B085C9AB24}">
+                <p16:designElem xmlns:p16="http://schemas.microsoft.com/office/powerpoint/2015/main" val="1"/>
+              </p:ext>
+            </p:extLst>
+          </p:nvPr>
+        </p:nvSpPr>
+        <p:spPr>
+          <a:xfrm>
+            <a:off x="0" y="0"/>
+            <a:ext cx="12192000" cy="6858000"/>
+          </a:xfrm>
+          <a:prstGeom prst="rect">
+            <a:avLst/>
+          </a:prstGeom>
+          <a:ln>
+            <a:noFill/>
+          </a:ln>
+        </p:spPr>
+        <p:style>
+          <a:lnRef idx="2">
+            <a:schemeClr val="accent1">
+              <a:shade val="50000"/>
+            </a:schemeClr>
+          </a:lnRef>
+          <a:fillRef idx="1">
+            <a:schemeClr val="accent1"/>
+          </a:fillRef>
+          <a:effectRef idx="0">
+            <a:schemeClr val="accent1"/>
+          </a:effectRef>
+          <a:fontRef idx="minor">
+            <a:schemeClr val="lt1"/>
+          </a:fontRef>
+        </p:style>
+        <p:txBody>
+          <a:bodyPr rtlCol="0" anchor="ctr"/>
+          <a:lstStyle/>
+          <a:p>
+            <a:pPr algn="ctr"/>
+            <a:endParaRPr lang="en-US"/>
+          </a:p>
+        </p:txBody>
+      </p:sp>
+      <p:sp useBgFill="1">
+        <p:nvSpPr>
+          <p:cNvPr id="28" name="Freeform: Shape 27">
+            <a:extLst>
+              <a:ext uri="{FF2B5EF4-FFF2-40B4-BE49-F238E27FC236}">
+                <a16:creationId xmlns:a16="http://schemas.microsoft.com/office/drawing/2014/main" id="{CF236821-17FE-429B-8D2C-08E13A64EA40}"/>
+              </a:ext>
+              <a:ext uri="{C183D7F6-B498-43B3-948B-1728B52AA6E4}">
+                <adec:decorative xmlns:adec="http://schemas.microsoft.com/office/drawing/2017/decorative" val="1"/>
+              </a:ext>
+            </a:extLst>
+          </p:cNvPr>
+          <p:cNvSpPr>
+            <a:spLocks noGrp="1" noRot="1" noChangeAspect="1" noMove="1" noResize="1" noEditPoints="1" noAdjustHandles="1" noChangeArrowheads="1" noChangeShapeType="1" noTextEdit="1"/>
+          </p:cNvSpPr>
+          <p:nvPr>
+            <p:extLst>
+              <p:ext uri="{386F3935-93C4-4BCD-93E2-E3B085C9AB24}">
+                <p16:designElem xmlns:p16="http://schemas.microsoft.com/office/powerpoint/2015/main" val="1"/>
+              </p:ext>
+            </p:extLst>
+          </p:nvPr>
+        </p:nvSpPr>
+        <p:spPr>
+          <a:xfrm>
+            <a:off x="-1" y="0"/>
+            <a:ext cx="4455673" cy="6858000"/>
+          </a:xfrm>
+          <a:custGeom>
+            <a:avLst/>
+            <a:gdLst>
+              <a:gd name="connsiteX0" fmla="*/ 0 w 4455673"/>
+              <a:gd name="connsiteY0" fmla="*/ 0 h 6858000"/>
+              <a:gd name="connsiteX1" fmla="*/ 3242695 w 4455673"/>
+              <a:gd name="connsiteY1" fmla="*/ 0 h 6858000"/>
+              <a:gd name="connsiteX2" fmla="*/ 3305678 w 4455673"/>
+              <a:gd name="connsiteY2" fmla="*/ 69271 h 6858000"/>
+              <a:gd name="connsiteX3" fmla="*/ 4455673 w 4455673"/>
+              <a:gd name="connsiteY3" fmla="*/ 3429000 h 6858000"/>
+              <a:gd name="connsiteX4" fmla="*/ 3305678 w 4455673"/>
+              <a:gd name="connsiteY4" fmla="*/ 6788730 h 6858000"/>
+              <a:gd name="connsiteX5" fmla="*/ 3242695 w 4455673"/>
+              <a:gd name="connsiteY5" fmla="*/ 6858000 h 6858000"/>
+              <a:gd name="connsiteX6" fmla="*/ 0 w 4455673"/>
+              <a:gd name="connsiteY6" fmla="*/ 6858000 h 6858000"/>
+            </a:gdLst>
+            <a:ahLst/>
+            <a:cxnLst>
+              <a:cxn ang="0">
+                <a:pos x="connsiteX0" y="connsiteY0"/>
+              </a:cxn>
+              <a:cxn ang="0">
+                <a:pos x="connsiteX1" y="connsiteY1"/>
+              </a:cxn>
+              <a:cxn ang="0">
+                <a:pos x="connsiteX2" y="connsiteY2"/>
+              </a:cxn>
+              <a:cxn ang="0">
+                <a:pos x="connsiteX3" y="connsiteY3"/>
+              </a:cxn>
+              <a:cxn ang="0">
+                <a:pos x="connsiteX4" y="connsiteY4"/>
+              </a:cxn>
+              <a:cxn ang="0">
+                <a:pos x="connsiteX5" y="connsiteY5"/>
+              </a:cxn>
+              <a:cxn ang="0">
+                <a:pos x="connsiteX6" y="connsiteY6"/>
+              </a:cxn>
+            </a:cxnLst>
+            <a:rect l="l" t="t" r="r" b="b"/>
+            <a:pathLst>
+              <a:path w="4455673" h="6858000">
+                <a:moveTo>
+                  <a:pt x="0" y="0"/>
+                </a:moveTo>
+                <a:lnTo>
+                  <a:pt x="3242695" y="0"/>
+                </a:lnTo>
+                <a:lnTo>
+                  <a:pt x="3305678" y="69271"/>
+                </a:lnTo>
+                <a:cubicBezTo>
+                  <a:pt x="4016204" y="929100"/>
+                  <a:pt x="4455673" y="2116944"/>
+                  <a:pt x="4455673" y="3429000"/>
+                </a:cubicBezTo>
+                <a:cubicBezTo>
+                  <a:pt x="4455673" y="4741056"/>
+                  <a:pt x="4016204" y="5928900"/>
+                  <a:pt x="3305678" y="6788730"/>
+                </a:cubicBezTo>
+                <a:lnTo>
+                  <a:pt x="3242695" y="6858000"/>
+                </a:lnTo>
+                <a:lnTo>
+                  <a:pt x="0" y="6858000"/>
+                </a:lnTo>
+                <a:close/>
+              </a:path>
+            </a:pathLst>
+          </a:custGeom>
+          <a:ln w="9525">
+            <a:solidFill>
+              <a:srgbClr val="EFEFEF"/>
+            </a:solidFill>
+          </a:ln>
+          <a:effectLst>
+            <a:outerShdw blurRad="88900" dist="38100" algn="l" rotWithShape="0">
+              <a:schemeClr val="bg1">
+                <a:lumMod val="85000"/>
+                <a:alpha val="50000"/>
+              </a:schemeClr>
+            </a:outerShdw>
+          </a:effectLst>
+        </p:spPr>
+        <p:style>
+          <a:lnRef idx="2">
+            <a:schemeClr val="accent1">
+              <a:shade val="50000"/>
+            </a:schemeClr>
+          </a:lnRef>
+          <a:fillRef idx="1">
+            <a:schemeClr val="accent1"/>
+          </a:fillRef>
+          <a:effectRef idx="0">
+            <a:schemeClr val="accent1"/>
+          </a:effectRef>
+          <a:fontRef idx="minor">
+            <a:schemeClr val="lt1"/>
+          </a:fontRef>
+        </p:style>
+        <p:txBody>
+          <a:bodyPr wrap="square" rtlCol="0" anchor="ctr">
+            <a:noAutofit/>
+          </a:bodyPr>
+          <a:lstStyle/>
+          <a:p>
+            <a:pPr marL="0" marR="0" lvl="0" indent="0" algn="ctr" defTabSz="914400" rtl="0" eaLnBrk="1" fontAlgn="auto" latinLnBrk="0" hangingPunct="1">
+              <a:lnSpc>
+                <a:spcPct val="100000"/>
+              </a:lnSpc>
+              <a:spcBef>
+                <a:spcPts val="0"/>
+              </a:spcBef>
+              <a:spcAft>
+                <a:spcPts val="0"/>
+              </a:spcAft>
+              <a:buClrTx/>
+              <a:buSzTx/>
+              <a:buFontTx/>
+              <a:buNone/>
+              <a:tabLst/>
+              <a:defRPr/>
+            </a:pPr>
+            <a:endParaRPr kumimoji="0" lang="en-US" sz="1800" b="0" i="0" u="none" strike="noStrike" kern="1200" cap="none" spc="0" normalizeH="0" baseline="0" noProof="0">
+              <a:ln>
+                <a:noFill/>
+              </a:ln>
+              <a:solidFill>
+                <a:prstClr val="white"/>
+              </a:solidFill>
+              <a:effectLst/>
+              <a:uLnTx/>
+              <a:uFillTx/>
+              <a:latin typeface="Calibri" panose="020F0502020204030204"/>
+              <a:ea typeface="+mn-ea"/>
+              <a:cs typeface="+mn-cs"/>
+            </a:endParaRPr>
+          </a:p>
+        </p:txBody>
+      </p:sp>
+      <p:sp useBgFill="1">
+        <p:nvSpPr>
+          <p:cNvPr id="30" name="Freeform: Shape 29">
+            <a:extLst>
+              <a:ext uri="{FF2B5EF4-FFF2-40B4-BE49-F238E27FC236}">
+                <a16:creationId xmlns:a16="http://schemas.microsoft.com/office/drawing/2014/main" id="{C0BDBCD2-E081-43AB-9119-C55465E59757}"/>
+              </a:ext>
+              <a:ext uri="{C183D7F6-B498-43B3-948B-1728B52AA6E4}">
+                <adec:decorative xmlns:adec="http://schemas.microsoft.com/office/drawing/2017/decorative" val="1"/>
+              </a:ext>
+            </a:extLst>
+          </p:cNvPr>
+          <p:cNvSpPr>
+            <a:spLocks noGrp="1" noRot="1" noChangeAspect="1" noMove="1" noResize="1" noEditPoints="1" noAdjustHandles="1" noChangeArrowheads="1" noChangeShapeType="1" noTextEdit="1"/>
+          </p:cNvSpPr>
+          <p:nvPr>
+            <p:extLst>
+              <p:ext uri="{386F3935-93C4-4BCD-93E2-E3B085C9AB24}">
+                <p16:designElem xmlns:p16="http://schemas.microsoft.com/office/powerpoint/2015/main" val="1"/>
+              </p:ext>
+            </p:extLst>
+          </p:nvPr>
+        </p:nvSpPr>
+        <p:spPr>
+          <a:xfrm>
+            <a:off x="0" y="0"/>
+            <a:ext cx="4446529" cy="6858000"/>
+          </a:xfrm>
+          <a:custGeom>
+            <a:avLst/>
+            <a:gdLst>
+              <a:gd name="connsiteX0" fmla="*/ 0 w 4446529"/>
+              <a:gd name="connsiteY0" fmla="*/ 0 h 6858000"/>
+              <a:gd name="connsiteX1" fmla="*/ 3233551 w 4446529"/>
+              <a:gd name="connsiteY1" fmla="*/ 0 h 6858000"/>
+              <a:gd name="connsiteX2" fmla="*/ 3296534 w 4446529"/>
+              <a:gd name="connsiteY2" fmla="*/ 69271 h 6858000"/>
+              <a:gd name="connsiteX3" fmla="*/ 4446529 w 4446529"/>
+              <a:gd name="connsiteY3" fmla="*/ 3429000 h 6858000"/>
+              <a:gd name="connsiteX4" fmla="*/ 3296534 w 4446529"/>
+              <a:gd name="connsiteY4" fmla="*/ 6788730 h 6858000"/>
+              <a:gd name="connsiteX5" fmla="*/ 3233551 w 4446529"/>
+              <a:gd name="connsiteY5" fmla="*/ 6858000 h 6858000"/>
+              <a:gd name="connsiteX6" fmla="*/ 0 w 4446529"/>
+              <a:gd name="connsiteY6" fmla="*/ 6858000 h 6858000"/>
+            </a:gdLst>
+            <a:ahLst/>
+            <a:cxnLst>
+              <a:cxn ang="0">
+                <a:pos x="connsiteX0" y="connsiteY0"/>
+              </a:cxn>
+              <a:cxn ang="0">
+                <a:pos x="connsiteX1" y="connsiteY1"/>
+              </a:cxn>
+              <a:cxn ang="0">
+                <a:pos x="connsiteX2" y="connsiteY2"/>
+              </a:cxn>
+              <a:cxn ang="0">
+                <a:pos x="connsiteX3" y="connsiteY3"/>
+              </a:cxn>
+              <a:cxn ang="0">
+                <a:pos x="connsiteX4" y="connsiteY4"/>
+              </a:cxn>
+              <a:cxn ang="0">
+                <a:pos x="connsiteX5" y="connsiteY5"/>
+              </a:cxn>
+              <a:cxn ang="0">
+                <a:pos x="connsiteX6" y="connsiteY6"/>
+              </a:cxn>
+            </a:cxnLst>
+            <a:rect l="l" t="t" r="r" b="b"/>
+            <a:pathLst>
+              <a:path w="4446529" h="6858000">
+                <a:moveTo>
+                  <a:pt x="0" y="0"/>
+                </a:moveTo>
+                <a:lnTo>
+                  <a:pt x="3233551" y="0"/>
+                </a:lnTo>
+                <a:lnTo>
+                  <a:pt x="3296534" y="69271"/>
+                </a:lnTo>
+                <a:cubicBezTo>
+                  <a:pt x="4007060" y="929100"/>
+                  <a:pt x="4446529" y="2116944"/>
+                  <a:pt x="4446529" y="3429000"/>
+                </a:cubicBezTo>
+                <a:cubicBezTo>
+                  <a:pt x="4446529" y="4741056"/>
+                  <a:pt x="4007060" y="5928900"/>
+                  <a:pt x="3296534" y="6788730"/>
+                </a:cubicBezTo>
+                <a:lnTo>
+                  <a:pt x="3233551" y="6858000"/>
+                </a:lnTo>
+                <a:lnTo>
+                  <a:pt x="0" y="6858000"/>
+                </a:lnTo>
+                <a:close/>
+              </a:path>
+            </a:pathLst>
+          </a:custGeom>
+          <a:ln w="9525">
+            <a:noFill/>
+          </a:ln>
+          <a:effectLst/>
+        </p:spPr>
+        <p:style>
+          <a:lnRef idx="2">
+            <a:schemeClr val="accent1">
+              <a:shade val="50000"/>
+            </a:schemeClr>
+          </a:lnRef>
+          <a:fillRef idx="1">
+            <a:schemeClr val="accent1"/>
+          </a:fillRef>
+          <a:effectRef idx="0">
+            <a:schemeClr val="accent1"/>
+          </a:effectRef>
+          <a:fontRef idx="minor">
+            <a:schemeClr val="lt1"/>
+          </a:fontRef>
+        </p:style>
+        <p:txBody>
+          <a:bodyPr wrap="square" rtlCol="0" anchor="ctr">
+            <a:noAutofit/>
+          </a:bodyPr>
+          <a:lstStyle/>
+          <a:p>
+            <a:pPr marL="0" marR="0" lvl="0" indent="0" algn="ctr" defTabSz="914400" rtl="0" eaLnBrk="1" fontAlgn="auto" latinLnBrk="0" hangingPunct="1">
+              <a:lnSpc>
+                <a:spcPct val="100000"/>
+              </a:lnSpc>
+              <a:spcBef>
+                <a:spcPts val="0"/>
+              </a:spcBef>
+              <a:spcAft>
+                <a:spcPts val="0"/>
+              </a:spcAft>
+              <a:buClrTx/>
+              <a:buSzTx/>
+              <a:buFontTx/>
+              <a:buNone/>
+              <a:tabLst/>
+              <a:defRPr/>
+            </a:pPr>
+            <a:endParaRPr kumimoji="0" lang="en-US" sz="1800" b="0" i="0" u="none" strike="noStrike" kern="1200" cap="none" spc="0" normalizeH="0" baseline="0" noProof="0">
+              <a:ln>
+                <a:noFill/>
+              </a:ln>
+              <a:solidFill>
+                <a:prstClr val="white"/>
+              </a:solidFill>
+              <a:effectLst/>
+              <a:uLnTx/>
+              <a:uFillTx/>
+              <a:latin typeface="Calibri" panose="020F0502020204030204"/>
+              <a:ea typeface="+mn-ea"/>
+              <a:cs typeface="+mn-cs"/>
+            </a:endParaRPr>
+          </a:p>
+        </p:txBody>
+      </p:sp>
+      <p:sp>
+        <p:nvSpPr>
+          <p:cNvPr id="2" name="Title 1">
+            <a:extLst>
+              <a:ext uri="{FF2B5EF4-FFF2-40B4-BE49-F238E27FC236}">
+                <a16:creationId xmlns:a16="http://schemas.microsoft.com/office/drawing/2014/main" id="{E769D07F-07D1-FF46-C4A9-212B6D60DF98}"/>
+              </a:ext>
+            </a:extLst>
+          </p:cNvPr>
+          <p:cNvSpPr>
+            <a:spLocks noGrp="1"/>
+          </p:cNvSpPr>
+          <p:nvPr>
+            <p:ph type="title"/>
+          </p:nvPr>
+        </p:nvSpPr>
+        <p:spPr>
+          <a:xfrm>
+            <a:off x="371094" y="1161288"/>
+            <a:ext cx="3438144" cy="1239012"/>
+          </a:xfrm>
+        </p:spPr>
+        <p:txBody>
+          <a:bodyPr vert="horz" lIns="91440" tIns="45720" rIns="91440" bIns="45720" rtlCol="0" anchor="ctr">
+            <a:normAutofit/>
+          </a:bodyPr>
+          <a:lstStyle/>
+          <a:p>
+            <a:r>
+              <a:rPr lang="en-US" sz="2800" dirty="0"/>
+              <a:t>Project Progress</a:t>
+            </a:r>
+            <a:endParaRPr lang="en-US" sz="2800" kern="1200" dirty="0">
+              <a:solidFill>
+                <a:schemeClr val="tx1"/>
+              </a:solidFill>
+              <a:latin typeface="+mj-lt"/>
+              <a:ea typeface="+mj-ea"/>
+              <a:cs typeface="+mj-cs"/>
+            </a:endParaRPr>
+          </a:p>
+        </p:txBody>
+      </p:sp>
+      <p:sp>
+        <p:nvSpPr>
+          <p:cNvPr id="32" name="Rectangle 31">
+            <a:extLst>
+              <a:ext uri="{FF2B5EF4-FFF2-40B4-BE49-F238E27FC236}">
+                <a16:creationId xmlns:a16="http://schemas.microsoft.com/office/drawing/2014/main" id="{98E79BE4-34FE-485A-98A5-92CE8F7C4743}"/>
+              </a:ext>
+              <a:ext uri="{C183D7F6-B498-43B3-948B-1728B52AA6E4}">
+                <adec:decorative xmlns:adec="http://schemas.microsoft.com/office/drawing/2017/decorative" val="1"/>
+              </a:ext>
+            </a:extLst>
+          </p:cNvPr>
+          <p:cNvSpPr>
+            <a:spLocks noGrp="1" noRot="1" noChangeAspect="1" noMove="1" noResize="1" noEditPoints="1" noAdjustHandles="1" noChangeArrowheads="1" noChangeShapeType="1" noTextEdit="1"/>
+          </p:cNvSpPr>
+          <p:nvPr>
+            <p:extLst>
+              <p:ext uri="{386F3935-93C4-4BCD-93E2-E3B085C9AB24}">
+                <p16:designElem xmlns:p16="http://schemas.microsoft.com/office/powerpoint/2015/main" val="1"/>
+              </p:ext>
+            </p:extLst>
+          </p:nvPr>
+        </p:nvSpPr>
+        <p:spPr>
+          <a:xfrm>
+            <a:off x="0" y="1426546"/>
+            <a:ext cx="128016" cy="653903"/>
+          </a:xfrm>
+          <a:prstGeom prst="rect">
+            <a:avLst/>
+          </a:prstGeom>
+          <a:solidFill>
+            <a:schemeClr val="accent2"/>
+          </a:solidFill>
+          <a:ln>
+            <a:noFill/>
+          </a:ln>
+        </p:spPr>
+        <p:style>
+          <a:lnRef idx="2">
+            <a:schemeClr val="accent1">
+              <a:shade val="50000"/>
+            </a:schemeClr>
+          </a:lnRef>
+          <a:fillRef idx="1">
+            <a:schemeClr val="accent1"/>
+          </a:fillRef>
+          <a:effectRef idx="0">
+            <a:schemeClr val="accent1"/>
+          </a:effectRef>
+          <a:fontRef idx="minor">
+            <a:schemeClr val="lt1"/>
+          </a:fontRef>
+        </p:style>
+        <p:txBody>
+          <a:bodyPr rtlCol="0" anchor="ctr"/>
+          <a:lstStyle/>
+          <a:p>
+            <a:pPr algn="ctr"/>
+            <a:endParaRPr lang="en-US">
+              <a:solidFill>
+                <a:prstClr val="white"/>
+              </a:solidFill>
+              <a:latin typeface="Calibri" panose="020F0502020204030204"/>
+            </a:endParaRPr>
+          </a:p>
+        </p:txBody>
+      </p:sp>
+      <p:sp>
+        <p:nvSpPr>
+          <p:cNvPr id="34" name="Rectangle 33">
+            <a:extLst>
+              <a:ext uri="{FF2B5EF4-FFF2-40B4-BE49-F238E27FC236}">
+                <a16:creationId xmlns:a16="http://schemas.microsoft.com/office/drawing/2014/main" id="{7A5F0580-5EE9-419F-96EE-B6529EF6E7D0}"/>
+              </a:ext>
+              <a:ext uri="{C183D7F6-B498-43B3-948B-1728B52AA6E4}">
+                <adec:decorative xmlns:adec="http://schemas.microsoft.com/office/drawing/2017/decorative" val="1"/>
+              </a:ext>
+            </a:extLst>
+          </p:cNvPr>
+          <p:cNvSpPr>
+            <a:spLocks noGrp="1" noRot="1" noChangeAspect="1" noMove="1" noResize="1" noEditPoints="1" noAdjustHandles="1" noChangeArrowheads="1" noChangeShapeType="1" noTextEdit="1"/>
+          </p:cNvSpPr>
+          <p:nvPr>
+            <p:extLst>
+              <p:ext uri="{386F3935-93C4-4BCD-93E2-E3B085C9AB24}">
+                <p16:designElem xmlns:p16="http://schemas.microsoft.com/office/powerpoint/2015/main" val="1"/>
+              </p:ext>
+            </p:extLst>
+          </p:nvPr>
+        </p:nvSpPr>
+        <p:spPr>
+          <a:xfrm>
+            <a:off x="395893" y="2443480"/>
+            <a:ext cx="3383280" cy="18288"/>
+          </a:xfrm>
+          <a:prstGeom prst="rect">
+            <a:avLst/>
+          </a:prstGeom>
+          <a:solidFill>
+            <a:srgbClr val="D5D5D5"/>
+          </a:solidFill>
+          <a:ln w="3175">
+            <a:noFill/>
+          </a:ln>
+          <a:effectLst/>
+        </p:spPr>
+        <p:style>
+          <a:lnRef idx="2">
+            <a:schemeClr val="accent1">
+              <a:shade val="50000"/>
+            </a:schemeClr>
+          </a:lnRef>
+          <a:fillRef idx="1">
+            <a:schemeClr val="accent1"/>
+          </a:fillRef>
+          <a:effectRef idx="0">
+            <a:schemeClr val="accent1"/>
+          </a:effectRef>
+          <a:fontRef idx="minor">
+            <a:schemeClr val="lt1"/>
+          </a:fontRef>
+        </p:style>
+        <p:txBody>
+          <a:bodyPr rtlCol="0" anchor="ctr"/>
+          <a:lstStyle/>
+          <a:p>
+            <a:pPr marL="0" marR="0" lvl="0" indent="0" algn="ctr" defTabSz="914400" rtl="0" eaLnBrk="1" fontAlgn="auto" latinLnBrk="0" hangingPunct="1">
+              <a:lnSpc>
+                <a:spcPct val="100000"/>
+              </a:lnSpc>
+              <a:spcBef>
+                <a:spcPts val="0"/>
+              </a:spcBef>
+              <a:spcAft>
+                <a:spcPts val="0"/>
+              </a:spcAft>
+              <a:buClrTx/>
+              <a:buSzTx/>
+              <a:buFontTx/>
+              <a:buNone/>
+              <a:tabLst/>
+              <a:defRPr/>
+            </a:pPr>
+            <a:endParaRPr kumimoji="0" lang="en-US" sz="1800" b="0" i="0" u="none" strike="noStrike" kern="1200" cap="none" spc="0" normalizeH="0" baseline="0" noProof="0">
+              <a:ln>
+                <a:noFill/>
+              </a:ln>
+              <a:solidFill>
+                <a:prstClr val="white"/>
+              </a:solidFill>
+              <a:effectLst/>
+              <a:uLnTx/>
+              <a:uFillTx/>
+              <a:latin typeface="Calibri" panose="020F0502020204030204"/>
+              <a:ea typeface="+mn-ea"/>
+              <a:cs typeface="+mn-cs"/>
+            </a:endParaRPr>
+          </a:p>
+        </p:txBody>
+      </p:sp>
+      <p:sp>
+        <p:nvSpPr>
+          <p:cNvPr id="4" name="Slide Number Placeholder 3">
+            <a:extLst>
+              <a:ext uri="{FF2B5EF4-FFF2-40B4-BE49-F238E27FC236}">
+                <a16:creationId xmlns:a16="http://schemas.microsoft.com/office/drawing/2014/main" id="{19B54884-98F2-8D67-D33E-56373A3FF0F2}"/>
+              </a:ext>
+            </a:extLst>
+          </p:cNvPr>
+          <p:cNvSpPr>
+            <a:spLocks noGrp="1"/>
+          </p:cNvSpPr>
+          <p:nvPr>
+            <p:ph type="sldNum" sz="quarter" idx="12"/>
+          </p:nvPr>
+        </p:nvSpPr>
+        <p:spPr>
+          <a:xfrm>
+            <a:off x="9695688" y="6356350"/>
+            <a:ext cx="2121408" cy="365125"/>
+          </a:xfrm>
+        </p:spPr>
+        <p:txBody>
+          <a:bodyPr vert="horz" lIns="91440" tIns="45720" rIns="91440" bIns="45720" rtlCol="0" anchor="ctr">
+            <a:normAutofit/>
+          </a:bodyPr>
+          <a:lstStyle/>
+          <a:p>
+            <a:pPr>
+              <a:spcAft>
+                <a:spcPts val="600"/>
+              </a:spcAft>
+            </a:pPr>
+            <a:fld id="{2AAE956E-4664-4293-B7DF-D0BDA8554CEB}" type="slidenum">
+              <a:rPr lang="en-US">
+                <a:solidFill>
+                  <a:schemeClr val="tx1">
+                    <a:lumMod val="50000"/>
+                    <a:lumOff val="50000"/>
+                  </a:schemeClr>
+                </a:solidFill>
+              </a:rPr>
+              <a:pPr>
+                <a:spcAft>
+                  <a:spcPts val="600"/>
+                </a:spcAft>
+              </a:pPr>
+              <a:t>7</a:t>
+            </a:fld>
+            <a:endParaRPr lang="en-US">
+              <a:solidFill>
+                <a:schemeClr val="tx1">
+                  <a:lumMod val="50000"/>
+                  <a:lumOff val="50000"/>
+                </a:schemeClr>
+              </a:solidFill>
+            </a:endParaRPr>
+          </a:p>
+        </p:txBody>
+      </p:sp>
+      <p:sp>
+        <p:nvSpPr>
+          <p:cNvPr id="3" name="Rectangle: Rounded Corners 2">
+            <a:extLst>
+              <a:ext uri="{FF2B5EF4-FFF2-40B4-BE49-F238E27FC236}">
+                <a16:creationId xmlns:a16="http://schemas.microsoft.com/office/drawing/2014/main" id="{C0C564D5-8A73-519D-344C-B7BC92E15AD6}"/>
+              </a:ext>
+            </a:extLst>
+          </p:cNvPr>
+          <p:cNvSpPr/>
+          <p:nvPr/>
+        </p:nvSpPr>
+        <p:spPr>
+          <a:xfrm>
+            <a:off x="5046258" y="2590382"/>
+            <a:ext cx="3079631" cy="1754326"/>
+          </a:xfrm>
+          <a:prstGeom prst="roundRect">
+            <a:avLst/>
+          </a:prstGeom>
+          <a:solidFill>
+            <a:schemeClr val="bg1"/>
+          </a:solidFill>
+        </p:spPr>
+        <p:style>
+          <a:lnRef idx="2">
+            <a:schemeClr val="accent1">
+              <a:shade val="15000"/>
+            </a:schemeClr>
+          </a:lnRef>
+          <a:fillRef idx="1">
+            <a:schemeClr val="accent1"/>
+          </a:fillRef>
+          <a:effectRef idx="0">
+            <a:schemeClr val="accent1"/>
+          </a:effectRef>
+          <a:fontRef idx="minor">
+            <a:schemeClr val="lt1"/>
+          </a:fontRef>
+        </p:style>
+        <p:txBody>
+          <a:bodyPr rtlCol="0" anchor="ctr"/>
+          <a:lstStyle/>
+          <a:p>
+            <a:pPr algn="ctr"/>
+            <a:endParaRPr lang="en-IE"/>
+          </a:p>
+        </p:txBody>
+      </p:sp>
+      <p:sp>
+        <p:nvSpPr>
+          <p:cNvPr id="6" name="TextBox 5">
+            <a:extLst>
+              <a:ext uri="{FF2B5EF4-FFF2-40B4-BE49-F238E27FC236}">
+                <a16:creationId xmlns:a16="http://schemas.microsoft.com/office/drawing/2014/main" id="{53CA5F15-7639-6CF3-93C6-9E9D3D1A66BC}"/>
+              </a:ext>
+            </a:extLst>
+          </p:cNvPr>
+          <p:cNvSpPr txBox="1"/>
+          <p:nvPr/>
+        </p:nvSpPr>
+        <p:spPr>
+          <a:xfrm>
+            <a:off x="5162715" y="2682487"/>
+            <a:ext cx="2846717" cy="1754326"/>
+          </a:xfrm>
+          <a:prstGeom prst="rect">
+            <a:avLst/>
+          </a:prstGeom>
+          <a:noFill/>
+        </p:spPr>
+        <p:txBody>
+          <a:bodyPr wrap="square" rtlCol="0">
+            <a:spAutoFit/>
+          </a:bodyPr>
+          <a:lstStyle/>
+          <a:p>
+            <a:r>
+              <a:rPr lang="en-US" dirty="0"/>
+              <a:t>Functional Spec : 90%</a:t>
+            </a:r>
+          </a:p>
+          <a:p>
+            <a:endParaRPr lang="en-US" dirty="0"/>
+          </a:p>
+          <a:p>
+            <a:r>
+              <a:rPr lang="en-IE" dirty="0"/>
+              <a:t>Research Document: 70%</a:t>
+            </a:r>
+          </a:p>
+          <a:p>
+            <a:endParaRPr lang="en-IE" dirty="0"/>
+          </a:p>
+          <a:p>
+            <a:r>
+              <a:rPr lang="en-IE" dirty="0"/>
+              <a:t>Design Document: 5%</a:t>
+            </a:r>
+          </a:p>
+          <a:p>
+            <a:endParaRPr lang="en-IE" dirty="0"/>
+          </a:p>
+        </p:txBody>
+      </p:sp>
+      <p:sp>
+        <p:nvSpPr>
+          <p:cNvPr id="7" name="TextBox 6">
+            <a:extLst>
+              <a:ext uri="{FF2B5EF4-FFF2-40B4-BE49-F238E27FC236}">
+                <a16:creationId xmlns:a16="http://schemas.microsoft.com/office/drawing/2014/main" id="{DC1226B3-88BA-FCAE-EE74-5E59DC4E1A0F}"/>
+              </a:ext>
+            </a:extLst>
+          </p:cNvPr>
+          <p:cNvSpPr txBox="1"/>
+          <p:nvPr/>
+        </p:nvSpPr>
+        <p:spPr>
+          <a:xfrm>
+            <a:off x="395893" y="2725947"/>
+            <a:ext cx="3383280" cy="923330"/>
+          </a:xfrm>
+          <a:prstGeom prst="rect">
+            <a:avLst/>
+          </a:prstGeom>
+          <a:noFill/>
+        </p:spPr>
+        <p:txBody>
+          <a:bodyPr wrap="square" rtlCol="0">
+            <a:spAutoFit/>
+          </a:bodyPr>
+          <a:lstStyle/>
+          <a:p>
+            <a:pPr marL="285750" indent="-285750">
+              <a:buFont typeface="Arial" panose="020B0604020202020204" pitchFamily="34" charset="0"/>
+              <a:buChar char="•"/>
+            </a:pPr>
+            <a:r>
+              <a:rPr lang="en-US" dirty="0"/>
+              <a:t>Progress so far</a:t>
+            </a:r>
+          </a:p>
+          <a:p>
+            <a:pPr marL="285750" indent="-285750">
+              <a:buFont typeface="Arial" panose="020B0604020202020204" pitchFamily="34" charset="0"/>
+              <a:buChar char="•"/>
+            </a:pPr>
+            <a:endParaRPr lang="en-US" dirty="0"/>
+          </a:p>
+          <a:p>
+            <a:pPr marL="285750" indent="-285750">
+              <a:buFont typeface="Arial" panose="020B0604020202020204" pitchFamily="34" charset="0"/>
+              <a:buChar char="•"/>
+            </a:pPr>
+            <a:r>
+              <a:rPr lang="en-US" dirty="0"/>
+              <a:t>Plan second iteration</a:t>
+            </a:r>
+            <a:endParaRPr lang="en-IE" dirty="0"/>
+          </a:p>
+        </p:txBody>
+      </p:sp>
+      <p:sp>
+        <p:nvSpPr>
+          <p:cNvPr id="9" name="Rectangle: Rounded Corners 8">
+            <a:extLst>
+              <a:ext uri="{FF2B5EF4-FFF2-40B4-BE49-F238E27FC236}">
+                <a16:creationId xmlns:a16="http://schemas.microsoft.com/office/drawing/2014/main" id="{3CDA8079-2D77-6D93-A635-1FEF2306F5C9}"/>
+              </a:ext>
+            </a:extLst>
+          </p:cNvPr>
+          <p:cNvSpPr/>
+          <p:nvPr/>
+        </p:nvSpPr>
+        <p:spPr>
+          <a:xfrm>
+            <a:off x="5046258" y="1881682"/>
+            <a:ext cx="3079631" cy="561798"/>
+          </a:xfrm>
+          <a:prstGeom prst="roundRect">
+            <a:avLst>
+              <a:gd name="adj" fmla="val 36628"/>
+            </a:avLst>
+          </a:prstGeom>
+          <a:solidFill>
+            <a:schemeClr val="bg1"/>
+          </a:solidFill>
+        </p:spPr>
+        <p:style>
+          <a:lnRef idx="2">
+            <a:schemeClr val="accent1">
+              <a:shade val="15000"/>
+            </a:schemeClr>
+          </a:lnRef>
+          <a:fillRef idx="1">
+            <a:schemeClr val="accent1"/>
+          </a:fillRef>
+          <a:effectRef idx="0">
+            <a:schemeClr val="accent1"/>
+          </a:effectRef>
+          <a:fontRef idx="minor">
+            <a:schemeClr val="lt1"/>
+          </a:fontRef>
+        </p:style>
+        <p:txBody>
+          <a:bodyPr rtlCol="0" anchor="ctr"/>
+          <a:lstStyle/>
+          <a:p>
+            <a:pPr algn="ctr"/>
+            <a:endParaRPr lang="en-IE"/>
+          </a:p>
+        </p:txBody>
+      </p:sp>
+      <p:sp>
+        <p:nvSpPr>
+          <p:cNvPr id="10" name="TextBox 9">
+            <a:extLst>
+              <a:ext uri="{FF2B5EF4-FFF2-40B4-BE49-F238E27FC236}">
+                <a16:creationId xmlns:a16="http://schemas.microsoft.com/office/drawing/2014/main" id="{F6C98E7C-FF13-6592-2918-EBE12880B6E3}"/>
+              </a:ext>
+            </a:extLst>
+          </p:cNvPr>
+          <p:cNvSpPr txBox="1"/>
+          <p:nvPr/>
+        </p:nvSpPr>
+        <p:spPr>
+          <a:xfrm>
+            <a:off x="5249772" y="1976171"/>
+            <a:ext cx="2759659" cy="369332"/>
+          </a:xfrm>
+          <a:prstGeom prst="rect">
+            <a:avLst/>
+          </a:prstGeom>
+          <a:noFill/>
+        </p:spPr>
+        <p:txBody>
+          <a:bodyPr wrap="square" rtlCol="0">
+            <a:spAutoFit/>
+          </a:bodyPr>
+          <a:lstStyle/>
+          <a:p>
+            <a:pPr algn="ctr"/>
+            <a:r>
+              <a:rPr lang="en-US" dirty="0"/>
+              <a:t>Completed</a:t>
+            </a:r>
+            <a:endParaRPr lang="en-IE" dirty="0"/>
+          </a:p>
+        </p:txBody>
+      </p:sp>
+      <p:sp>
+        <p:nvSpPr>
+          <p:cNvPr id="11" name="Rectangle: Rounded Corners 10">
+            <a:extLst>
+              <a:ext uri="{FF2B5EF4-FFF2-40B4-BE49-F238E27FC236}">
+                <a16:creationId xmlns:a16="http://schemas.microsoft.com/office/drawing/2014/main" id="{27C32391-F7BD-5493-DCE3-C492CF0E958A}"/>
+              </a:ext>
+            </a:extLst>
+          </p:cNvPr>
+          <p:cNvSpPr/>
+          <p:nvPr/>
+        </p:nvSpPr>
+        <p:spPr>
+          <a:xfrm>
+            <a:off x="8521782" y="1892059"/>
+            <a:ext cx="3079631" cy="561798"/>
+          </a:xfrm>
+          <a:prstGeom prst="roundRect">
+            <a:avLst>
+              <a:gd name="adj" fmla="val 36628"/>
+            </a:avLst>
+          </a:prstGeom>
+          <a:solidFill>
+            <a:schemeClr val="bg1"/>
+          </a:solidFill>
+        </p:spPr>
+        <p:style>
+          <a:lnRef idx="2">
+            <a:schemeClr val="accent1">
+              <a:shade val="15000"/>
+            </a:schemeClr>
+          </a:lnRef>
+          <a:fillRef idx="1">
+            <a:schemeClr val="accent1"/>
+          </a:fillRef>
+          <a:effectRef idx="0">
+            <a:schemeClr val="accent1"/>
+          </a:effectRef>
+          <a:fontRef idx="minor">
+            <a:schemeClr val="lt1"/>
+          </a:fontRef>
+        </p:style>
+        <p:txBody>
+          <a:bodyPr rtlCol="0" anchor="ctr"/>
+          <a:lstStyle/>
+          <a:p>
+            <a:pPr algn="ctr"/>
+            <a:endParaRPr lang="en-IE"/>
+          </a:p>
+        </p:txBody>
+      </p:sp>
+      <p:sp>
+        <p:nvSpPr>
+          <p:cNvPr id="13" name="TextBox 12">
+            <a:extLst>
+              <a:ext uri="{FF2B5EF4-FFF2-40B4-BE49-F238E27FC236}">
+                <a16:creationId xmlns:a16="http://schemas.microsoft.com/office/drawing/2014/main" id="{8DF5B75E-5BF5-FB11-4B91-9E6E5B0EF67C}"/>
+              </a:ext>
+            </a:extLst>
+          </p:cNvPr>
+          <p:cNvSpPr txBox="1"/>
+          <p:nvPr/>
+        </p:nvSpPr>
+        <p:spPr>
+          <a:xfrm>
+            <a:off x="8681767" y="1986548"/>
+            <a:ext cx="2759659" cy="369332"/>
+          </a:xfrm>
+          <a:prstGeom prst="rect">
+            <a:avLst/>
+          </a:prstGeom>
+          <a:noFill/>
+        </p:spPr>
+        <p:txBody>
+          <a:bodyPr wrap="square" rtlCol="0">
+            <a:spAutoFit/>
+          </a:bodyPr>
+          <a:lstStyle/>
+          <a:p>
+            <a:pPr algn="ctr"/>
+            <a:r>
+              <a:rPr lang="en-US" dirty="0"/>
+              <a:t>To do</a:t>
+            </a:r>
+            <a:endParaRPr lang="en-IE" dirty="0"/>
+          </a:p>
+        </p:txBody>
+      </p:sp>
+      <p:sp>
+        <p:nvSpPr>
+          <p:cNvPr id="14" name="Rectangle: Rounded Corners 13">
+            <a:extLst>
+              <a:ext uri="{FF2B5EF4-FFF2-40B4-BE49-F238E27FC236}">
+                <a16:creationId xmlns:a16="http://schemas.microsoft.com/office/drawing/2014/main" id="{3715D624-E152-8F8C-C1AE-59CFF13E6D50}"/>
+              </a:ext>
+            </a:extLst>
+          </p:cNvPr>
+          <p:cNvSpPr/>
+          <p:nvPr/>
+        </p:nvSpPr>
+        <p:spPr>
+          <a:xfrm>
+            <a:off x="8521782" y="2590382"/>
+            <a:ext cx="3079631" cy="1754326"/>
+          </a:xfrm>
+          <a:prstGeom prst="roundRect">
+            <a:avLst/>
+          </a:prstGeom>
+          <a:solidFill>
+            <a:schemeClr val="bg1"/>
+          </a:solidFill>
+        </p:spPr>
+        <p:style>
+          <a:lnRef idx="2">
+            <a:schemeClr val="accent1">
+              <a:shade val="15000"/>
+            </a:schemeClr>
+          </a:lnRef>
+          <a:fillRef idx="1">
+            <a:schemeClr val="accent1"/>
+          </a:fillRef>
+          <a:effectRef idx="0">
+            <a:schemeClr val="accent1"/>
+          </a:effectRef>
+          <a:fontRef idx="minor">
+            <a:schemeClr val="lt1"/>
+          </a:fontRef>
+        </p:style>
+        <p:txBody>
+          <a:bodyPr rtlCol="0" anchor="ctr"/>
+          <a:lstStyle/>
+          <a:p>
+            <a:pPr algn="ctr"/>
+            <a:endParaRPr lang="en-IE"/>
+          </a:p>
+        </p:txBody>
+      </p:sp>
+      <p:sp>
+        <p:nvSpPr>
+          <p:cNvPr id="16" name="TextBox 15">
+            <a:extLst>
+              <a:ext uri="{FF2B5EF4-FFF2-40B4-BE49-F238E27FC236}">
+                <a16:creationId xmlns:a16="http://schemas.microsoft.com/office/drawing/2014/main" id="{83058AD3-CECC-B3CB-A800-ECC7AF4A6BEA}"/>
+              </a:ext>
+            </a:extLst>
+          </p:cNvPr>
+          <p:cNvSpPr txBox="1"/>
+          <p:nvPr/>
+        </p:nvSpPr>
+        <p:spPr>
+          <a:xfrm>
+            <a:off x="8638239" y="2682487"/>
+            <a:ext cx="2890245" cy="1477328"/>
+          </a:xfrm>
+          <a:prstGeom prst="rect">
+            <a:avLst/>
+          </a:prstGeom>
+          <a:noFill/>
+        </p:spPr>
+        <p:txBody>
+          <a:bodyPr wrap="square" rtlCol="0">
+            <a:spAutoFit/>
+          </a:bodyPr>
+          <a:lstStyle/>
+          <a:p>
+            <a:r>
+              <a:rPr lang="en-US" dirty="0"/>
+              <a:t>Refine Research Document</a:t>
+            </a:r>
+          </a:p>
+          <a:p>
+            <a:endParaRPr lang="en-US" dirty="0"/>
+          </a:p>
+          <a:p>
+            <a:r>
+              <a:rPr lang="en-US" dirty="0"/>
+              <a:t>Begin Design Document</a:t>
+            </a:r>
+          </a:p>
+          <a:p>
+            <a:endParaRPr lang="en-US" dirty="0"/>
+          </a:p>
+          <a:p>
+            <a:r>
+              <a:rPr lang="en-US" dirty="0"/>
+              <a:t>Start Development</a:t>
+            </a:r>
+            <a:endParaRPr lang="en-IE" dirty="0"/>
+          </a:p>
+        </p:txBody>
+      </p:sp>
+    </p:spTree>
+    <p:extLst>
+      <p:ext uri="{BB962C8B-B14F-4D97-AF65-F5344CB8AC3E}">
+        <p14:creationId xmlns:p14="http://schemas.microsoft.com/office/powerpoint/2010/main" val="3326792997"/>
+      </p:ext>
+    </p:extLst>
+  </p:cSld>
+  <p:clrMapOvr>
+    <a:masterClrMapping/>
+  </p:clrMapOvr>
+</p:sld>
+</file>
+
+<file path=ppt/slides/slide8.xml><?xml version="1.0" encoding="utf-8"?>
 <p:sld xmlns:a="http://schemas.openxmlformats.org/drawingml/2006/main" xmlns:r="http://schemas.openxmlformats.org/officeDocument/2006/relationships" xmlns:p="http://schemas.openxmlformats.org/presentationml/2006/main">
   <p:cSld>
     <p:bg>
@@ -8178,7 +9364,7 @@
                   <a:spcPts val="600"/>
                 </a:spcAft>
               </a:pPr>
-              <a:t>7</a:t>
+              <a:t>8</a:t>
             </a:fld>
             <a:endParaRPr lang="en-US">
               <a:solidFill>
@@ -8203,7 +9389,7 @@
 </p:sld>
 </file>
 
-<file path=ppt/slides/slide8.xml><?xml version="1.0" encoding="utf-8"?>
+<file path=ppt/slides/slide9.xml><?xml version="1.0" encoding="utf-8"?>
 <p:sld xmlns:a="http://schemas.openxmlformats.org/drawingml/2006/main" xmlns:r="http://schemas.openxmlformats.org/officeDocument/2006/relationships" xmlns:p="http://schemas.openxmlformats.org/presentationml/2006/main">
   <p:cSld>
     <p:spTree>
@@ -8303,7 +9489,7 @@
           <a:p>
             <a:fld id="{2AAE956E-4664-4293-B7DF-D0BDA8554CEB}" type="slidenum">
               <a:rPr lang="en-IE" smtClean="0"/>
-              <a:t>8</a:t>
+              <a:t>9</a:t>
             </a:fld>
             <a:endParaRPr lang="en-IE"/>
           </a:p>
